--- a/Senior Project A Game of Friends.pptx
+++ b/Senior Project A Game of Friends.pptx
@@ -6292,11 +6292,7 @@
           <a:p>
             <a:r>
               <a:rPr lang="en-US" dirty="0" smtClean="0"/>
-              <a:t>Target Audience: </a:t>
-            </a:r>
-            <a:r>
-              <a:rPr lang="en-US" dirty="0" smtClean="0"/>
-              <a:t>Everyone</a:t>
+              <a:t>Target Audience: Everyone</a:t>
             </a:r>
             <a:endParaRPr lang="en-US" dirty="0"/>
           </a:p>
@@ -6386,11 +6382,7 @@
           <a:p>
             <a:r>
               <a:rPr lang="en-US" dirty="0" smtClean="0"/>
-              <a:t>Hundreds of variations of questions</a:t>
-            </a:r>
-            <a:r>
-              <a:rPr lang="en-US" dirty="0" smtClean="0"/>
-              <a:t>.</a:t>
+              <a:t>Hundreds of variations of questions.</a:t>
             </a:r>
           </a:p>
           <a:p>
@@ -6483,11 +6475,7 @@
           <a:p>
             <a:r>
               <a:rPr lang="en-US" dirty="0" smtClean="0"/>
-              <a:t>Start </a:t>
-            </a:r>
-            <a:r>
-              <a:rPr lang="en-US" dirty="0" smtClean="0"/>
-              <a:t>Menu</a:t>
+              <a:t>Start Menu</a:t>
             </a:r>
           </a:p>
           <a:p>
@@ -6499,11 +6487,7 @@
           <a:p>
             <a:r>
               <a:rPr lang="en-US" dirty="0" smtClean="0"/>
-              <a:t>Score/Outcome </a:t>
-            </a:r>
-            <a:r>
-              <a:rPr lang="en-US" dirty="0" smtClean="0"/>
-              <a:t>Screen, </a:t>
+              <a:t>Score/Outcome Screen, </a:t>
             </a:r>
             <a:endParaRPr lang="en-US" dirty="0"/>
           </a:p>
@@ -6687,7 +6671,11 @@
           <a:p>
             <a:r>
               <a:rPr lang="en-US" dirty="0" err="1" smtClean="0"/>
-              <a:t>XCode</a:t>
+              <a:t>Xcode</a:t>
+            </a:r>
+            <a:r>
+              <a:rPr lang="en-US" smtClean="0"/>
+              <a:t>, Swift</a:t>
             </a:r>
             <a:endParaRPr lang="en-US" dirty="0" smtClean="0"/>
           </a:p>
@@ -6766,11 +6754,7 @@
           <a:p>
             <a:r>
               <a:rPr lang="en-US" dirty="0" smtClean="0"/>
-              <a:t>1 </a:t>
-            </a:r>
-            <a:r>
-              <a:rPr lang="en-US" dirty="0" smtClean="0"/>
-              <a:t>out of 10 people think HTML is an  STD</a:t>
+              <a:t>1 out of 10 people think HTML is an  STD</a:t>
             </a:r>
             <a:endParaRPr lang="en-US" dirty="0"/>
           </a:p>
@@ -6870,7 +6854,38 @@
           <a:p>
             <a:r>
               <a:rPr lang="en-US" dirty="0" smtClean="0"/>
-              <a:t>TBD</a:t>
+              <a:t>Week 1: Start</a:t>
+            </a:r>
+          </a:p>
+          <a:p>
+            <a:r>
+              <a:rPr lang="en-US" dirty="0" smtClean="0"/>
+              <a:t>Week 5: Finish Research </a:t>
+            </a:r>
+          </a:p>
+          <a:p>
+            <a:r>
+              <a:rPr lang="en-US" dirty="0" smtClean="0"/>
+              <a:t>Week 10: UI Finished</a:t>
+            </a:r>
+            <a:endParaRPr lang="en-US" dirty="0" smtClean="0"/>
+          </a:p>
+          <a:p>
+            <a:r>
+              <a:rPr lang="en-US" dirty="0" smtClean="0"/>
+              <a:t>Week 14: Alpha</a:t>
+            </a:r>
+          </a:p>
+          <a:p>
+            <a:r>
+              <a:rPr lang="en-US" dirty="0" smtClean="0"/>
+              <a:t>Week 16: Beta</a:t>
+            </a:r>
+          </a:p>
+          <a:p>
+            <a:r>
+              <a:rPr lang="en-US" dirty="0" smtClean="0"/>
+              <a:t>Week 17: Celebrate</a:t>
             </a:r>
             <a:endParaRPr lang="en-US" dirty="0"/>
           </a:p>

--- a/Senior Project A Game of Friends.pptx
+++ b/Senior Project A Game of Friends.pptx
@@ -6536,7 +6536,7 @@
         <p:spPr/>
         <p:txBody>
           <a:bodyPr>
-            <a:normAutofit fontScale="90000"/>
+            <a:normAutofit/>
           </a:bodyPr>
           <a:lstStyle/>
           <a:p>
@@ -6546,12 +6546,9 @@
             </a:r>
             <a:r>
               <a:rPr lang="en-US" dirty="0" smtClean="0"/>
-              <a:t>Description describing </a:t>
-            </a:r>
-            <a:r>
-              <a:rPr lang="en-US" dirty="0"/>
-              <a:t>generally how the application will work; this should include any project segmentation, such as clients, servers, and support software.</a:t>
-            </a:r>
+              <a:t>Description</a:t>
+            </a:r>
+            <a:endParaRPr lang="en-US" dirty="0"/>
           </a:p>
         </p:txBody>
       </p:sp>
@@ -6868,7 +6865,6 @@
               <a:rPr lang="en-US" dirty="0" smtClean="0"/>
               <a:t>Week 10: UI Finished</a:t>
             </a:r>
-            <a:endParaRPr lang="en-US" dirty="0" smtClean="0"/>
           </a:p>
           <a:p>
             <a:r>
